--- a/otel teoria/Day 1 session 4.2 Konfiguracja Exporterow.pptx
+++ b/otel teoria/Day 1 session 4.2 Konfiguracja Exporterow.pptx
@@ -3787,21 +3787,18 @@
             </a:br>
             <a:r>
               <a:rPr lang="en-GB" sz="1200" dirty="0"/>
-              <a:t>	https://</a:t>
-            </a:r>
-            <a:r>
-              <a:rPr lang="en-GB" sz="1200" dirty="0" err="1"/>
-              <a:t>opentelemetry.io</a:t>
+              <a:t>	</a:t>
+            </a:r>
+            <a:r>
+              <a:rPr lang="en-GB" sz="1200" dirty="0">
+                <a:hlinkClick r:id="rId2"/>
+              </a:rPr>
+              <a:t>https://opentelemetry.io/docs/concepts/exporters/#otlp</a:t>
             </a:r>
             <a:r>
               <a:rPr lang="en-GB" sz="1200" dirty="0"/>
-              <a:t>/docs/concepts/exporters/#</a:t>
-            </a:r>
-            <a:r>
-              <a:rPr lang="en-GB" sz="1200" dirty="0" err="1"/>
-              <a:t>otlp</a:t>
-            </a:r>
-            <a:endParaRPr lang="en-GB" sz="1200" dirty="0"/>
+              <a:t> </a:t>
+            </a:r>
           </a:p>
           <a:p>
             <a:pPr algn="l"/>
@@ -3818,23 +3815,17 @@
             </a:br>
             <a:r>
               <a:rPr lang="en-GB" sz="1200" dirty="0"/>
-              <a:t>	https://</a:t>
-            </a:r>
-            <a:r>
-              <a:rPr lang="en-GB" sz="1200" dirty="0" err="1"/>
-              <a:t>opentelemetry.io</a:t>
+              <a:t>	</a:t>
+            </a:r>
+            <a:r>
+              <a:rPr lang="en-GB" sz="1200" dirty="0">
+                <a:hlinkClick r:id="rId3"/>
+              </a:rPr>
+              <a:t>https://opentelemetry.io/docs/instrumentation/js/exporters/#jaeger-exporter</a:t>
             </a:r>
             <a:r>
               <a:rPr lang="en-GB" sz="1200" dirty="0"/>
-              <a:t>/docs/instrumentation/</a:t>
-            </a:r>
-            <a:r>
-              <a:rPr lang="en-GB" sz="1200" dirty="0" err="1"/>
-              <a:t>js</a:t>
-            </a:r>
-            <a:r>
-              <a:rPr lang="en-GB" sz="1200" dirty="0"/>
-              <a:t>/exporters/#jaeger-exporter</a:t>
+              <a:t> </a:t>
             </a:r>
           </a:p>
           <a:p>
@@ -3856,31 +3847,17 @@
             <a:pPr algn="l"/>
             <a:r>
               <a:rPr lang="en-GB" sz="1200" dirty="0"/>
-              <a:t>	https://</a:t>
-            </a:r>
-            <a:r>
-              <a:rPr lang="en-GB" sz="1200" dirty="0" err="1"/>
-              <a:t>opentelemetry.io</a:t>
+              <a:t>	</a:t>
+            </a:r>
+            <a:r>
+              <a:rPr lang="en-GB" sz="1200" dirty="0">
+                <a:hlinkClick r:id="rId4"/>
+              </a:rPr>
+              <a:t>https://opentelemetry.io/docs/instrumentation/js/exporters/#zipkin-exporter</a:t>
             </a:r>
             <a:r>
               <a:rPr lang="en-GB" sz="1200" dirty="0"/>
-              <a:t>/docs/instrumentation/</a:t>
-            </a:r>
-            <a:r>
-              <a:rPr lang="en-GB" sz="1200" dirty="0" err="1"/>
-              <a:t>js</a:t>
-            </a:r>
-            <a:r>
-              <a:rPr lang="en-GB" sz="1200" dirty="0"/>
-              <a:t>/exporters/#</a:t>
-            </a:r>
-            <a:r>
-              <a:rPr lang="en-GB" sz="1200" dirty="0" err="1"/>
-              <a:t>zipkin</a:t>
-            </a:r>
-            <a:r>
-              <a:rPr lang="en-GB" sz="1200" dirty="0"/>
-              <a:t>-exporter</a:t>
+              <a:t> </a:t>
             </a:r>
           </a:p>
           <a:p>
@@ -3898,31 +3875,17 @@
             <a:pPr algn="l"/>
             <a:r>
               <a:rPr lang="en-GB" sz="1200" dirty="0"/>
-              <a:t>	https://</a:t>
-            </a:r>
-            <a:r>
-              <a:rPr lang="en-GB" sz="1200" dirty="0" err="1"/>
-              <a:t>opentelemetry.io</a:t>
+              <a:t>	</a:t>
+            </a:r>
+            <a:r>
+              <a:rPr lang="en-GB" sz="1200" dirty="0">
+                <a:hlinkClick r:id="rId5"/>
+              </a:rPr>
+              <a:t>https://opentelemetry.io/docs/instrumentation/js/exporters/#prometheus-exporter</a:t>
             </a:r>
             <a:r>
               <a:rPr lang="en-GB" sz="1200" dirty="0"/>
-              <a:t>/docs/instrumentation/</a:t>
-            </a:r>
-            <a:r>
-              <a:rPr lang="en-GB" sz="1200" dirty="0" err="1"/>
-              <a:t>js</a:t>
-            </a:r>
-            <a:r>
-              <a:rPr lang="en-GB" sz="1200" dirty="0"/>
-              <a:t>/exporters/#</a:t>
-            </a:r>
-            <a:r>
-              <a:rPr lang="en-GB" sz="1200" dirty="0" err="1"/>
-              <a:t>prometheus</a:t>
-            </a:r>
-            <a:r>
-              <a:rPr lang="en-GB" sz="1200" dirty="0"/>
-              <a:t>-exporter</a:t>
+              <a:t> </a:t>
             </a:r>
           </a:p>
           <a:p>
@@ -3944,7 +3907,7 @@
             </a:r>
             <a:r>
               <a:rPr lang="en-GB" sz="1200" dirty="0">
-                <a:hlinkClick r:id="rId2"/>
+                <a:hlinkClick r:id="rId6"/>
               </a:rPr>
               <a:t>https://github.com/Azure/azure-sdk-for-python/tree/main/sdk/monitor/azure-monitor-opentelemetry-exporter</a:t>
             </a:r>
@@ -3969,7 +3932,7 @@
             </a:r>
             <a:r>
               <a:rPr lang="en-GB" sz="1200" dirty="0">
-                <a:hlinkClick r:id="rId3"/>
+                <a:hlinkClick r:id="rId7"/>
               </a:rPr>
               <a:t>https://github.com/aws-observability/aws-otel-js</a:t>
             </a:r>
@@ -3994,7 +3957,7 @@
             </a:r>
             <a:r>
               <a:rPr lang="en-GB" sz="1200" dirty="0">
-                <a:hlinkClick r:id="rId4"/>
+                <a:hlinkClick r:id="rId8"/>
               </a:rPr>
               <a:t>https://github.com/GoogleCloudPlatform/opentelemetry-operations-js</a:t>
             </a:r>
@@ -4015,23 +3978,17 @@
             <a:pPr algn="l"/>
             <a:r>
               <a:rPr lang="en-GB" sz="1200" dirty="0"/>
-              <a:t>	https://</a:t>
-            </a:r>
-            <a:r>
-              <a:rPr lang="en-GB" sz="1200" dirty="0" err="1"/>
-              <a:t>opentelemetry.io</a:t>
+              <a:t>	</a:t>
+            </a:r>
+            <a:r>
+              <a:rPr lang="en-GB" sz="1200" dirty="0">
+                <a:hlinkClick r:id="rId9"/>
+              </a:rPr>
+              <a:t>https://opentelemetry.io/docs/instrumentation/js/exporters/#console-exporter</a:t>
             </a:r>
             <a:r>
               <a:rPr lang="en-GB" sz="1200" dirty="0"/>
-              <a:t>/docs/instrumentation/</a:t>
-            </a:r>
-            <a:r>
-              <a:rPr lang="en-GB" sz="1200" dirty="0" err="1"/>
-              <a:t>js</a:t>
-            </a:r>
-            <a:r>
-              <a:rPr lang="en-GB" sz="1200" dirty="0"/>
-              <a:t>/exporters/#console-exporter</a:t>
+              <a:t> </a:t>
             </a:r>
           </a:p>
           <a:p>
@@ -4049,16 +4006,25 @@
             </a:br>
             <a:r>
               <a:rPr lang="en-GB" sz="1200" dirty="0"/>
-              <a:t>	https://</a:t>
-            </a:r>
-            <a:r>
-              <a:rPr lang="en-GB" sz="1200" dirty="0" err="1"/>
-              <a:t>opentelemetry.io</a:t>
-            </a:r>
-            <a:r>
-              <a:rPr lang="en-GB" sz="1200" dirty="0"/>
-              <a:t>/docs/concepts/exporters/#logging-exporter</a:t>
-            </a:r>
+              <a:t>	</a:t>
+            </a:r>
+            <a:r>
+              <a:rPr lang="en-GB" sz="1200" dirty="0">
+                <a:hlinkClick r:id="rId10"/>
+              </a:rPr>
+              <a:t>https://opentelemetry.io/docs/concepts/exporters</a:t>
+            </a:r>
+            <a:r>
+              <a:rPr lang="en-GB" sz="1200">
+                <a:hlinkClick r:id="rId10"/>
+              </a:rPr>
+              <a:t>/#logging-exporter</a:t>
+            </a:r>
+            <a:r>
+              <a:rPr lang="en-GB" sz="1200"/>
+              <a:t> </a:t>
+            </a:r>
+            <a:endParaRPr lang="en-GB" sz="1200" dirty="0"/>
           </a:p>
           <a:p>
             <a:pPr algn="l"/>
@@ -4079,7 +4045,7 @@
             </a:r>
             <a:r>
               <a:rPr lang="en-GB" sz="1200" dirty="0">
-                <a:hlinkClick r:id="rId5"/>
+                <a:hlinkClick r:id="rId11"/>
               </a:rPr>
               <a:t>https://github.com/newrelic/opentelemetry-exporter-java</a:t>
             </a:r>
@@ -4104,7 +4070,7 @@
             </a:r>
             <a:r>
               <a:rPr lang="en-GB" sz="1200" dirty="0">
-                <a:hlinkClick r:id="rId6"/>
+                <a:hlinkClick r:id="rId12"/>
               </a:rPr>
               <a:t>https://github.com/DataDog/dd-opentelemetry-exporter</a:t>
             </a:r>
